--- a/git for org.pptx
+++ b/git for org.pptx
@@ -105,6 +105,11 @@
       </a:defRPr>
     </a:lvl9pPr>
   </p:defaultTextStyle>
+  <p:extLst>
+    <p:ext uri="{EFAFB233-063F-42B5-8137-9DF3F51BA10A}">
+      <p15:sldGuideLst xmlns:p15="http://schemas.microsoft.com/office/powerpoint/2012/main"/>
+    </p:ext>
+  </p:extLst>
 </p:presentation>
 </file>
 
@@ -257,7 +262,7 @@
           <a:p>
             <a:fld id="{FDE31329-0C76-49AC-9E10-5131F9AA4481}" type="datetimeFigureOut">
               <a:rPr lang="en-IN" smtClean="0"/>
-              <a:t>01-09-2023</a:t>
+              <a:t>05-09-2023</a:t>
             </a:fld>
             <a:endParaRPr lang="en-IN"/>
           </a:p>
@@ -457,7 +462,7 @@
           <a:p>
             <a:fld id="{FDE31329-0C76-49AC-9E10-5131F9AA4481}" type="datetimeFigureOut">
               <a:rPr lang="en-IN" smtClean="0"/>
-              <a:t>01-09-2023</a:t>
+              <a:t>05-09-2023</a:t>
             </a:fld>
             <a:endParaRPr lang="en-IN"/>
           </a:p>
@@ -667,7 +672,7 @@
           <a:p>
             <a:fld id="{FDE31329-0C76-49AC-9E10-5131F9AA4481}" type="datetimeFigureOut">
               <a:rPr lang="en-IN" smtClean="0"/>
-              <a:t>01-09-2023</a:t>
+              <a:t>05-09-2023</a:t>
             </a:fld>
             <a:endParaRPr lang="en-IN"/>
           </a:p>
@@ -867,7 +872,7 @@
           <a:p>
             <a:fld id="{FDE31329-0C76-49AC-9E10-5131F9AA4481}" type="datetimeFigureOut">
               <a:rPr lang="en-IN" smtClean="0"/>
-              <a:t>01-09-2023</a:t>
+              <a:t>05-09-2023</a:t>
             </a:fld>
             <a:endParaRPr lang="en-IN"/>
           </a:p>
@@ -1143,7 +1148,7 @@
           <a:p>
             <a:fld id="{FDE31329-0C76-49AC-9E10-5131F9AA4481}" type="datetimeFigureOut">
               <a:rPr lang="en-IN" smtClean="0"/>
-              <a:t>01-09-2023</a:t>
+              <a:t>05-09-2023</a:t>
             </a:fld>
             <a:endParaRPr lang="en-IN"/>
           </a:p>
@@ -1411,7 +1416,7 @@
           <a:p>
             <a:fld id="{FDE31329-0C76-49AC-9E10-5131F9AA4481}" type="datetimeFigureOut">
               <a:rPr lang="en-IN" smtClean="0"/>
-              <a:t>01-09-2023</a:t>
+              <a:t>05-09-2023</a:t>
             </a:fld>
             <a:endParaRPr lang="en-IN"/>
           </a:p>
@@ -1826,7 +1831,7 @@
           <a:p>
             <a:fld id="{FDE31329-0C76-49AC-9E10-5131F9AA4481}" type="datetimeFigureOut">
               <a:rPr lang="en-IN" smtClean="0"/>
-              <a:t>01-09-2023</a:t>
+              <a:t>05-09-2023</a:t>
             </a:fld>
             <a:endParaRPr lang="en-IN"/>
           </a:p>
@@ -1968,7 +1973,7 @@
           <a:p>
             <a:fld id="{FDE31329-0C76-49AC-9E10-5131F9AA4481}" type="datetimeFigureOut">
               <a:rPr lang="en-IN" smtClean="0"/>
-              <a:t>01-09-2023</a:t>
+              <a:t>05-09-2023</a:t>
             </a:fld>
             <a:endParaRPr lang="en-IN"/>
           </a:p>
@@ -2081,7 +2086,7 @@
           <a:p>
             <a:fld id="{FDE31329-0C76-49AC-9E10-5131F9AA4481}" type="datetimeFigureOut">
               <a:rPr lang="en-IN" smtClean="0"/>
-              <a:t>01-09-2023</a:t>
+              <a:t>05-09-2023</a:t>
             </a:fld>
             <a:endParaRPr lang="en-IN"/>
           </a:p>
@@ -2394,7 +2399,7 @@
           <a:p>
             <a:fld id="{FDE31329-0C76-49AC-9E10-5131F9AA4481}" type="datetimeFigureOut">
               <a:rPr lang="en-IN" smtClean="0"/>
-              <a:t>01-09-2023</a:t>
+              <a:t>05-09-2023</a:t>
             </a:fld>
             <a:endParaRPr lang="en-IN"/>
           </a:p>
@@ -2683,7 +2688,7 @@
           <a:p>
             <a:fld id="{FDE31329-0C76-49AC-9E10-5131F9AA4481}" type="datetimeFigureOut">
               <a:rPr lang="en-IN" smtClean="0"/>
-              <a:t>01-09-2023</a:t>
+              <a:t>05-09-2023</a:t>
             </a:fld>
             <a:endParaRPr lang="en-IN"/>
           </a:p>
@@ -2926,7 +2931,7 @@
           <a:p>
             <a:fld id="{FDE31329-0C76-49AC-9E10-5131F9AA4481}" type="datetimeFigureOut">
               <a:rPr lang="en-IN" smtClean="0"/>
-              <a:t>01-09-2023</a:t>
+              <a:t>05-09-2023</a:t>
             </a:fld>
             <a:endParaRPr lang="en-IN"/>
           </a:p>
@@ -4092,6 +4097,45 @@
           <a:chExt cx="0" cy="0"/>
         </a:xfrm>
       </p:grpSpPr>
+      <p:sp>
+        <p:nvSpPr>
+          <p:cNvPr id="3" name="TextBox 2">
+            <a:extLst>
+              <a:ext uri="{FF2B5EF4-FFF2-40B4-BE49-F238E27FC236}">
+                <a16:creationId xmlns:a16="http://schemas.microsoft.com/office/drawing/2014/main" id="{91C58C67-13D1-48C4-CE9C-79EF2AABAD4C}"/>
+              </a:ext>
+            </a:extLst>
+          </p:cNvPr>
+          <p:cNvSpPr txBox="1"/>
+          <p:nvPr/>
+        </p:nvSpPr>
+        <p:spPr>
+          <a:xfrm>
+            <a:off x="3048000" y="3244334"/>
+            <a:ext cx="6096000" cy="369332"/>
+          </a:xfrm>
+          <a:prstGeom prst="rect">
+            <a:avLst/>
+          </a:prstGeom>
+          <a:noFill/>
+        </p:spPr>
+        <p:txBody>
+          <a:bodyPr wrap="square">
+            <a:spAutoFit/>
+          </a:bodyPr>
+          <a:lstStyle/>
+          <a:p>
+            <a:r>
+              <a:rPr lang="en-IN"/>
+              <a:t>powerpoint</a:t>
+            </a:r>
+            <a:r>
+              <a:rPr lang="en-IN" dirty="0"/>
+              <a:t>-viewer my_presentation.pptx</a:t>
+            </a:r>
+          </a:p>
+        </p:txBody>
+      </p:sp>
     </p:spTree>
     <p:extLst>
       <p:ext uri="{BB962C8B-B14F-4D97-AF65-F5344CB8AC3E}">

--- a/git for org.pptx
+++ b/git for org.pptx
@@ -4127,12 +4127,9 @@
           <a:p>
             <a:r>
               <a:rPr lang="en-IN"/>
-              <a:t>powerpoint</a:t>
-            </a:r>
-            <a:r>
-              <a:rPr lang="en-IN" dirty="0"/>
-              <a:t>-viewer my_presentation.pptx</a:t>
-            </a:r>
+              <a:t>powerpoint-viewe</a:t>
+            </a:r>
+            <a:endParaRPr lang="en-IN" dirty="0"/>
           </a:p>
         </p:txBody>
       </p:sp>

--- a/git for org.pptx
+++ b/git for org.pptx
@@ -6,7 +6,6 @@
   </p:sldMasterIdLst>
   <p:sldIdLst>
     <p:sldId id="257" r:id="rId2"/>
-    <p:sldId id="258" r:id="rId3"/>
   </p:sldIdLst>
   <p:sldSz cx="12192000" cy="6858000"/>
   <p:notesSz cx="6858000" cy="9144000"/>
@@ -3859,7 +3858,7 @@
         </p:blipFill>
         <p:spPr bwMode="auto">
           <a:xfrm>
-            <a:off x="1777309" y="222542"/>
+            <a:off x="1777309" y="195648"/>
             <a:ext cx="952724" cy="952724"/>
           </a:xfrm>
           <a:prstGeom prst="rect">
@@ -4071,72 +4070,6 @@
     <p:extLst>
       <p:ext uri="{BB962C8B-B14F-4D97-AF65-F5344CB8AC3E}">
         <p14:creationId xmlns:p14="http://schemas.microsoft.com/office/powerpoint/2010/main" val="2416319210"/>
-      </p:ext>
-    </p:extLst>
-  </p:cSld>
-  <p:clrMapOvr>
-    <a:masterClrMapping/>
-  </p:clrMapOvr>
-</p:sld>
-</file>
-
-<file path=ppt/slides/slide2.xml><?xml version="1.0" encoding="utf-8"?>
-<p:sld xmlns:a="http://schemas.openxmlformats.org/drawingml/2006/main" xmlns:r="http://schemas.openxmlformats.org/officeDocument/2006/relationships" xmlns:p="http://schemas.openxmlformats.org/presentationml/2006/main">
-  <p:cSld>
-    <p:spTree>
-      <p:nvGrpSpPr>
-        <p:cNvPr id="1" name=""/>
-        <p:cNvGrpSpPr/>
-        <p:nvPr/>
-      </p:nvGrpSpPr>
-      <p:grpSpPr>
-        <a:xfrm>
-          <a:off x="0" y="0"/>
-          <a:ext cx="0" cy="0"/>
-          <a:chOff x="0" y="0"/>
-          <a:chExt cx="0" cy="0"/>
-        </a:xfrm>
-      </p:grpSpPr>
-      <p:sp>
-        <p:nvSpPr>
-          <p:cNvPr id="3" name="TextBox 2">
-            <a:extLst>
-              <a:ext uri="{FF2B5EF4-FFF2-40B4-BE49-F238E27FC236}">
-                <a16:creationId xmlns:a16="http://schemas.microsoft.com/office/drawing/2014/main" id="{91C58C67-13D1-48C4-CE9C-79EF2AABAD4C}"/>
-              </a:ext>
-            </a:extLst>
-          </p:cNvPr>
-          <p:cNvSpPr txBox="1"/>
-          <p:nvPr/>
-        </p:nvSpPr>
-        <p:spPr>
-          <a:xfrm>
-            <a:off x="3048000" y="3244334"/>
-            <a:ext cx="6096000" cy="369332"/>
-          </a:xfrm>
-          <a:prstGeom prst="rect">
-            <a:avLst/>
-          </a:prstGeom>
-          <a:noFill/>
-        </p:spPr>
-        <p:txBody>
-          <a:bodyPr wrap="square">
-            <a:spAutoFit/>
-          </a:bodyPr>
-          <a:lstStyle/>
-          <a:p>
-            <a:r>
-              <a:rPr lang="en-IN"/>
-              <a:t>powerpoint-viewe</a:t>
-            </a:r>
-            <a:endParaRPr lang="en-IN" dirty="0"/>
-          </a:p>
-        </p:txBody>
-      </p:sp>
-    </p:spTree>
-    <p:extLst>
-      <p:ext uri="{BB962C8B-B14F-4D97-AF65-F5344CB8AC3E}">
-        <p14:creationId xmlns:p14="http://schemas.microsoft.com/office/powerpoint/2010/main" val="3126916377"/>
       </p:ext>
     </p:extLst>
   </p:cSld>
